--- a/ユースケース図.pptx
+++ b/ユースケース図.pptx
@@ -7382,44 +7382,6 @@
           <a:chExt cx="0" cy="0"/>
         </a:xfrm>
       </p:grpSpPr>
-      <p:sp>
-        <p:nvSpPr>
-          <p:cNvPr id="62" name="角丸四角形 61"/>
-          <p:cNvSpPr/>
-          <p:nvPr/>
-        </p:nvSpPr>
-        <p:spPr>
-          <a:xfrm>
-            <a:off x="6475050" y="7059355"/>
-            <a:ext cx="3944040" cy="1078790"/>
-          </a:xfrm>
-          <a:prstGeom prst="roundRect">
-            <a:avLst/>
-          </a:prstGeom>
-        </p:spPr>
-        <p:style>
-          <a:lnRef idx="3">
-            <a:schemeClr val="lt1"/>
-          </a:lnRef>
-          <a:fillRef idx="1">
-            <a:schemeClr val="accent4"/>
-          </a:fillRef>
-          <a:effectRef idx="1">
-            <a:schemeClr val="accent4"/>
-          </a:effectRef>
-          <a:fontRef idx="minor">
-            <a:schemeClr val="lt1"/>
-          </a:fontRef>
-        </p:style>
-        <p:txBody>
-          <a:bodyPr rtlCol="0" anchor="ctr"/>
-          <a:lstStyle/>
-          <a:p>
-            <a:pPr algn="ctr"/>
-            <a:endParaRPr kumimoji="1" lang="ja-JP" altLang="en-US"/>
-          </a:p>
-        </p:txBody>
-      </p:sp>
       <p:graphicFrame>
         <p:nvGraphicFramePr>
           <p:cNvPr id="61" name="表 60"/>
@@ -7429,14 +7391,14 @@
           <p:nvPr>
             <p:extLst>
               <p:ext uri="{D42A27DB-BD31-4B8C-83A1-F6EECF244321}">
-                <p14:modId xmlns:p14="http://schemas.microsoft.com/office/powerpoint/2010/main" val="2507221023"/>
+                <p14:modId xmlns:p14="http://schemas.microsoft.com/office/powerpoint/2010/main" val="560866859"/>
               </p:ext>
             </p:extLst>
           </p:nvPr>
         </p:nvGraphicFramePr>
         <p:xfrm>
-          <a:off x="2663479" y="948844"/>
-          <a:ext cx="7911185" cy="7898470"/>
+          <a:off x="2663479" y="313151"/>
+          <a:ext cx="7911185" cy="8268064"/>
         </p:xfrm>
         <a:graphic>
           <a:graphicData uri="http://schemas.openxmlformats.org/drawingml/2006/table">
@@ -7453,7 +7415,7 @@
                   </a:extLst>
                 </a:gridCol>
               </a:tblGrid>
-              <a:tr h="1201910">
+              <a:tr h="808156">
                 <a:tc>
                   <a:txBody>
                     <a:bodyPr/>
@@ -7481,7 +7443,7 @@
                   </a:ext>
                 </a:extLst>
               </a:tr>
-              <a:tr h="6696560">
+              <a:tr h="7459908">
                 <a:tc>
                   <a:txBody>
                     <a:bodyPr/>
@@ -7504,14 +7466,52 @@
       </p:graphicFrame>
       <p:sp>
         <p:nvSpPr>
+          <p:cNvPr id="62" name="角丸四角形 61"/>
+          <p:cNvSpPr/>
+          <p:nvPr/>
+        </p:nvSpPr>
+        <p:spPr>
+          <a:xfrm>
+            <a:off x="6459499" y="6550220"/>
+            <a:ext cx="3944040" cy="1078790"/>
+          </a:xfrm>
+          <a:prstGeom prst="roundRect">
+            <a:avLst/>
+          </a:prstGeom>
+        </p:spPr>
+        <p:style>
+          <a:lnRef idx="3">
+            <a:schemeClr val="lt1"/>
+          </a:lnRef>
+          <a:fillRef idx="1">
+            <a:schemeClr val="accent4"/>
+          </a:fillRef>
+          <a:effectRef idx="1">
+            <a:schemeClr val="accent4"/>
+          </a:effectRef>
+          <a:fontRef idx="minor">
+            <a:schemeClr val="lt1"/>
+          </a:fontRef>
+        </p:style>
+        <p:txBody>
+          <a:bodyPr rtlCol="0" anchor="ctr"/>
+          <a:lstStyle/>
+          <a:p>
+            <a:pPr algn="ctr"/>
+            <a:endParaRPr kumimoji="1" lang="ja-JP" altLang="en-US"/>
+          </a:p>
+        </p:txBody>
+      </p:sp>
+      <p:sp>
+        <p:nvSpPr>
           <p:cNvPr id="81" name="楕円 80"/>
           <p:cNvSpPr/>
           <p:nvPr/>
         </p:nvSpPr>
         <p:spPr>
           <a:xfrm>
-            <a:off x="3298038" y="3381837"/>
-            <a:ext cx="2704991" cy="768646"/>
+            <a:off x="3182000" y="2969252"/>
+            <a:ext cx="2666838" cy="768646"/>
           </a:xfrm>
           <a:prstGeom prst="ellipse">
             <a:avLst/>
@@ -7556,8 +7556,8 @@
         </p:nvSpPr>
         <p:spPr>
           <a:xfrm>
-            <a:off x="2962572" y="2426046"/>
-            <a:ext cx="3405415" cy="814260"/>
+            <a:off x="3185512" y="1251355"/>
+            <a:ext cx="2663326" cy="814260"/>
           </a:xfrm>
           <a:prstGeom prst="ellipse">
             <a:avLst/>
@@ -7602,7 +7602,7 @@
         </p:nvSpPr>
         <p:spPr>
           <a:xfrm>
-            <a:off x="3634870" y="3545634"/>
+            <a:off x="3470147" y="3133049"/>
             <a:ext cx="2031325" cy="461665"/>
           </a:xfrm>
           <a:prstGeom prst="rect">
@@ -7675,8 +7675,8 @@
         </p:nvCxnSpPr>
         <p:spPr>
           <a:xfrm flipH="1" flipV="1">
-            <a:off x="10266903" y="3033109"/>
-            <a:ext cx="1067603" cy="350844"/>
+            <a:off x="10266903" y="2295934"/>
+            <a:ext cx="1067604" cy="1088019"/>
           </a:xfrm>
           <a:prstGeom prst="straightConnector1">
             <a:avLst/>
@@ -8254,8 +8254,8 @@
         </p:nvCxnSpPr>
         <p:spPr>
           <a:xfrm flipV="1">
-            <a:off x="1748800" y="2894717"/>
-            <a:ext cx="1170400" cy="499054"/>
+            <a:off x="1690591" y="1802194"/>
+            <a:ext cx="1431228" cy="1569109"/>
           </a:xfrm>
           <a:prstGeom prst="straightConnector1">
             <a:avLst/>
@@ -8287,8 +8287,8 @@
         </p:nvCxnSpPr>
         <p:spPr>
           <a:xfrm flipV="1">
-            <a:off x="1707896" y="3682062"/>
-            <a:ext cx="1486717" cy="107629"/>
+            <a:off x="1648033" y="2622044"/>
+            <a:ext cx="1473786" cy="1108137"/>
           </a:xfrm>
           <a:prstGeom prst="straightConnector1">
             <a:avLst/>
@@ -8319,9 +8319,9 @@
           <p:nvPr/>
         </p:nvCxnSpPr>
         <p:spPr>
-          <a:xfrm>
-            <a:off x="1673462" y="4058855"/>
-            <a:ext cx="1612479" cy="428257"/>
+          <a:xfrm flipV="1">
+            <a:off x="1673462" y="3475170"/>
+            <a:ext cx="1448357" cy="583685"/>
           </a:xfrm>
           <a:prstGeom prst="straightConnector1">
             <a:avLst/>
@@ -8352,9 +8352,9 @@
           <p:nvPr/>
         </p:nvCxnSpPr>
         <p:spPr>
-          <a:xfrm>
-            <a:off x="1673462" y="4315094"/>
-            <a:ext cx="1624576" cy="1081146"/>
+          <a:xfrm flipV="1">
+            <a:off x="1673462" y="4231654"/>
+            <a:ext cx="1448357" cy="83440"/>
           </a:xfrm>
           <a:prstGeom prst="straightConnector1">
             <a:avLst/>
@@ -8423,8 +8423,8 @@
         </p:nvCxnSpPr>
         <p:spPr>
           <a:xfrm flipV="1">
-            <a:off x="1591513" y="3240306"/>
-            <a:ext cx="1314251" cy="2785273"/>
+            <a:off x="1692783" y="1873208"/>
+            <a:ext cx="1551556" cy="3984010"/>
           </a:xfrm>
           <a:prstGeom prst="straightConnector1">
             <a:avLst/>
@@ -8459,8 +8459,8 @@
         </p:nvCxnSpPr>
         <p:spPr>
           <a:xfrm flipV="1">
-            <a:off x="1743913" y="4003343"/>
-            <a:ext cx="1450700" cy="2174636"/>
+            <a:off x="1743913" y="3535430"/>
+            <a:ext cx="1500426" cy="2642549"/>
           </a:xfrm>
           <a:prstGeom prst="straightConnector1">
             <a:avLst/>
@@ -8495,8 +8495,8 @@
         </p:nvCxnSpPr>
         <p:spPr>
           <a:xfrm flipV="1">
-            <a:off x="1773598" y="4687130"/>
-            <a:ext cx="1512343" cy="1648927"/>
+            <a:off x="1773598" y="5061181"/>
+            <a:ext cx="1321341" cy="1274877"/>
           </a:xfrm>
           <a:prstGeom prst="straightConnector1">
             <a:avLst/>
@@ -8531,8 +8531,8 @@
         </p:nvSpPr>
         <p:spPr>
           <a:xfrm>
-            <a:off x="6818116" y="2575917"/>
-            <a:ext cx="3405415" cy="746735"/>
+            <a:off x="6526269" y="1684451"/>
+            <a:ext cx="3740634" cy="941951"/>
           </a:xfrm>
           <a:prstGeom prst="ellipse">
             <a:avLst/>
@@ -8563,13 +8563,13 @@
           <a:p>
             <a:pPr algn="ctr"/>
             <a:r>
-              <a:rPr kumimoji="1" lang="ja-JP" altLang="en-US" sz="2000" dirty="0" smtClean="0">
+              <a:rPr kumimoji="1" lang="ja-JP" altLang="en-US" sz="2400" dirty="0" smtClean="0">
                 <a:latin typeface="HGS創英角ｺﾞｼｯｸUB" panose="020B0900000000000000" pitchFamily="50" charset="-128"/>
                 <a:ea typeface="HGS創英角ｺﾞｼｯｸUB" panose="020B0900000000000000" pitchFamily="50" charset="-128"/>
               </a:rPr>
               <a:t>アドホックモード</a:t>
             </a:r>
-            <a:endParaRPr kumimoji="1" lang="en-US" altLang="ja-JP" sz="2000" dirty="0" smtClean="0">
+            <a:endParaRPr kumimoji="1" lang="en-US" altLang="ja-JP" sz="2400" dirty="0" smtClean="0">
               <a:latin typeface="HGS創英角ｺﾞｼｯｸUB" panose="020B0900000000000000" pitchFamily="50" charset="-128"/>
               <a:ea typeface="HGS創英角ｺﾞｼｯｸUB" panose="020B0900000000000000" pitchFamily="50" charset="-128"/>
             </a:endParaRPr>
@@ -8577,80 +8577,13 @@
           <a:p>
             <a:pPr algn="ctr"/>
             <a:r>
-              <a:rPr kumimoji="1" lang="ja-JP" altLang="en-US" sz="2000" dirty="0" smtClean="0">
+              <a:rPr kumimoji="1" lang="ja-JP" altLang="en-US" sz="2400" dirty="0" smtClean="0">
                 <a:latin typeface="HGS創英角ｺﾞｼｯｸUB" panose="020B0900000000000000" pitchFamily="50" charset="-128"/>
                 <a:ea typeface="HGS創英角ｺﾞｼｯｸUB" panose="020B0900000000000000" pitchFamily="50" charset="-128"/>
               </a:rPr>
               <a:t>選択</a:t>
             </a:r>
-            <a:endParaRPr kumimoji="1" lang="en-US" altLang="ja-JP" sz="2000" dirty="0" smtClean="0">
-              <a:latin typeface="HGS創英角ｺﾞｼｯｸUB" panose="020B0900000000000000" pitchFamily="50" charset="-128"/>
-              <a:ea typeface="HGS創英角ｺﾞｼｯｸUB" panose="020B0900000000000000" pitchFamily="50" charset="-128"/>
-            </a:endParaRPr>
-          </a:p>
-        </p:txBody>
-      </p:sp>
-      <p:sp>
-        <p:nvSpPr>
-          <p:cNvPr id="98" name="楕円 97"/>
-          <p:cNvSpPr/>
-          <p:nvPr/>
-        </p:nvSpPr>
-        <p:spPr>
-          <a:xfrm>
-            <a:off x="6781016" y="3581353"/>
-            <a:ext cx="3405415" cy="746735"/>
-          </a:xfrm>
-          <a:prstGeom prst="ellipse">
-            <a:avLst/>
-          </a:prstGeom>
-        </p:spPr>
-        <p:style>
-          <a:lnRef idx="2">
-            <a:schemeClr val="dk1"/>
-          </a:lnRef>
-          <a:fillRef idx="1">
-            <a:schemeClr val="lt1"/>
-          </a:fillRef>
-          <a:effectRef idx="0">
-            <a:schemeClr val="dk1"/>
-          </a:effectRef>
-          <a:fontRef idx="minor">
-            <a:schemeClr val="dk1"/>
-          </a:fontRef>
-        </p:style>
-        <p:txBody>
-          <a:bodyPr rot="0" spcFirstLastPara="0" vertOverflow="overflow" horzOverflow="overflow" vert="horz" wrap="square" lIns="57921" tIns="28960" rIns="57921" bIns="28960" numCol="1" spcCol="0" rtlCol="0" fromWordArt="0" anchor="ctr" anchorCtr="0" forceAA="0" compatLnSpc="1">
-            <a:prstTxWarp prst="textNoShape">
-              <a:avLst/>
-            </a:prstTxWarp>
-            <a:noAutofit/>
-          </a:bodyPr>
-          <a:lstStyle/>
-          <a:p>
-            <a:pPr algn="ctr"/>
-            <a:r>
-              <a:rPr kumimoji="1" lang="ja-JP" altLang="en-US" sz="2000" dirty="0" smtClean="0">
-                <a:latin typeface="HGS創英角ｺﾞｼｯｸUB" panose="020B0900000000000000" pitchFamily="50" charset="-128"/>
-                <a:ea typeface="HGS創英角ｺﾞｼｯｸUB" panose="020B0900000000000000" pitchFamily="50" charset="-128"/>
-              </a:rPr>
-              <a:t>オンラインモード</a:t>
-            </a:r>
-            <a:endParaRPr kumimoji="1" lang="en-US" altLang="ja-JP" sz="2000" dirty="0" smtClean="0">
-              <a:latin typeface="HGS創英角ｺﾞｼｯｸUB" panose="020B0900000000000000" pitchFamily="50" charset="-128"/>
-              <a:ea typeface="HGS創英角ｺﾞｼｯｸUB" panose="020B0900000000000000" pitchFamily="50" charset="-128"/>
-            </a:endParaRPr>
-          </a:p>
-          <a:p>
-            <a:pPr algn="ctr"/>
-            <a:r>
-              <a:rPr kumimoji="1" lang="ja-JP" altLang="en-US" sz="2000" dirty="0" smtClean="0">
-                <a:latin typeface="HGS創英角ｺﾞｼｯｸUB" panose="020B0900000000000000" pitchFamily="50" charset="-128"/>
-                <a:ea typeface="HGS創英角ｺﾞｼｯｸUB" panose="020B0900000000000000" pitchFamily="50" charset="-128"/>
-              </a:rPr>
-              <a:t>選択</a:t>
-            </a:r>
-            <a:endParaRPr kumimoji="1" lang="en-US" altLang="ja-JP" sz="2000" dirty="0" smtClean="0">
+            <a:endParaRPr kumimoji="1" lang="en-US" altLang="ja-JP" sz="2400" dirty="0" smtClean="0">
               <a:latin typeface="HGS創英角ｺﾞｼｯｸUB" panose="020B0900000000000000" pitchFamily="50" charset="-128"/>
               <a:ea typeface="HGS創英角ｺﾞｼｯｸUB" panose="020B0900000000000000" pitchFamily="50" charset="-128"/>
             </a:endParaRPr>
@@ -8664,9 +8597,9 @@
           <p:nvPr/>
         </p:nvCxnSpPr>
         <p:spPr>
-          <a:xfrm flipH="1">
-            <a:off x="10219069" y="3682062"/>
-            <a:ext cx="1036042" cy="70276"/>
+          <a:xfrm flipH="1" flipV="1">
+            <a:off x="10266903" y="3402861"/>
+            <a:ext cx="988208" cy="279201"/>
           </a:xfrm>
           <a:prstGeom prst="straightConnector1">
             <a:avLst/>
@@ -8698,8 +8631,8 @@
         </p:nvCxnSpPr>
         <p:spPr>
           <a:xfrm flipH="1">
-            <a:off x="10063753" y="3984046"/>
-            <a:ext cx="1191358" cy="1114651"/>
+            <a:off x="10071605" y="3984046"/>
+            <a:ext cx="1183506" cy="444383"/>
           </a:xfrm>
           <a:prstGeom prst="straightConnector1">
             <a:avLst/>
@@ -9076,8 +9009,8 @@
         </p:nvSpPr>
         <p:spPr>
           <a:xfrm>
-            <a:off x="3298038" y="4315094"/>
-            <a:ext cx="2704991" cy="661323"/>
+            <a:off x="3182000" y="3865088"/>
+            <a:ext cx="2666839" cy="661323"/>
           </a:xfrm>
           <a:prstGeom prst="ellipse">
             <a:avLst/>
@@ -9129,8 +9062,8 @@
         </p:nvSpPr>
         <p:spPr>
           <a:xfrm>
-            <a:off x="3097871" y="2632999"/>
-            <a:ext cx="2954655" cy="400110"/>
+            <a:off x="3830120" y="1411543"/>
+            <a:ext cx="1415772" cy="461665"/>
           </a:xfrm>
           <a:prstGeom prst="rect">
             <a:avLst/>
@@ -9138,33 +9071,20 @@
           <a:noFill/>
         </p:spPr>
         <p:txBody>
-          <a:bodyPr wrap="none" rtlCol="0">
+          <a:bodyPr wrap="none" rtlCol="0" anchor="ctr">
             <a:spAutoFit/>
           </a:bodyPr>
           <a:lstStyle/>
           <a:p>
-            <a:r>
-              <a:rPr kumimoji="1" lang="ja-JP" altLang="en-US" sz="2000" dirty="0" smtClean="0">
+            <a:pPr algn="ctr"/>
+            <a:r>
+              <a:rPr kumimoji="1" lang="ja-JP" altLang="en-US" sz="2400" dirty="0" smtClean="0">
                 <a:latin typeface="HGS創英角ｺﾞｼｯｸUB" panose="020B0900000000000000" pitchFamily="50" charset="-128"/>
                 <a:ea typeface="HGS創英角ｺﾞｼｯｸUB" panose="020B0900000000000000" pitchFamily="50" charset="-128"/>
               </a:rPr>
-              <a:t>コース、車、</a:t>
-            </a:r>
-            <a:r>
-              <a:rPr kumimoji="1" lang="en-US" altLang="ja-JP" sz="2000" dirty="0" smtClean="0">
-                <a:latin typeface="HGS創英角ｺﾞｼｯｸUB" panose="020B0900000000000000" pitchFamily="50" charset="-128"/>
-                <a:ea typeface="HGS創英角ｺﾞｼｯｸUB" panose="020B0900000000000000" pitchFamily="50" charset="-128"/>
-              </a:rPr>
-              <a:t>CPU</a:t>
-            </a:r>
-            <a:r>
-              <a:rPr kumimoji="1" lang="ja-JP" altLang="en-US" sz="2000" dirty="0" smtClean="0">
-                <a:latin typeface="HGS創英角ｺﾞｼｯｸUB" panose="020B0900000000000000" pitchFamily="50" charset="-128"/>
-                <a:ea typeface="HGS創英角ｺﾞｼｯｸUB" panose="020B0900000000000000" pitchFamily="50" charset="-128"/>
-              </a:rPr>
-              <a:t>の設定</a:t>
-            </a:r>
-            <a:endParaRPr kumimoji="1" lang="ja-JP" altLang="en-US" sz="2000" dirty="0">
+              <a:t>車の選択</a:t>
+            </a:r>
+            <a:endParaRPr kumimoji="1" lang="ja-JP" altLang="en-US" sz="2400" dirty="0">
               <a:latin typeface="HGS創英角ｺﾞｼｯｸUB" panose="020B0900000000000000" pitchFamily="50" charset="-128"/>
               <a:ea typeface="HGS創英角ｺﾞｼｯｸUB" panose="020B0900000000000000" pitchFamily="50" charset="-128"/>
             </a:endParaRPr>
@@ -9179,7 +9099,7 @@
         </p:nvSpPr>
         <p:spPr>
           <a:xfrm>
-            <a:off x="3285941" y="5244973"/>
+            <a:off x="3173415" y="4583263"/>
             <a:ext cx="2704992" cy="764200"/>
           </a:xfrm>
           <a:prstGeom prst="ellipse">
@@ -9225,7 +9145,7 @@
         </p:nvSpPr>
         <p:spPr>
           <a:xfrm>
-            <a:off x="3953346" y="5396240"/>
+            <a:off x="3840820" y="4734530"/>
             <a:ext cx="1415772" cy="461665"/>
           </a:xfrm>
           <a:prstGeom prst="rect">
@@ -9261,8 +9181,8 @@
         </p:nvSpPr>
         <p:spPr>
           <a:xfrm>
-            <a:off x="3261756" y="7172699"/>
-            <a:ext cx="2704992" cy="764200"/>
+            <a:off x="3231575" y="6571162"/>
+            <a:ext cx="2729789" cy="764200"/>
           </a:xfrm>
           <a:prstGeom prst="ellipse">
             <a:avLst/>
@@ -9307,7 +9227,7 @@
         </p:nvSpPr>
         <p:spPr>
           <a:xfrm>
-            <a:off x="3555958" y="7323966"/>
+            <a:off x="3502077" y="6681851"/>
             <a:ext cx="2031325" cy="461665"/>
           </a:xfrm>
           <a:prstGeom prst="rect">
@@ -9343,7 +9263,7 @@
         </p:nvSpPr>
         <p:spPr>
           <a:xfrm>
-            <a:off x="6658338" y="4880337"/>
+            <a:off x="6632415" y="4191571"/>
             <a:ext cx="3405415" cy="746735"/>
           </a:xfrm>
           <a:prstGeom prst="ellipse">
@@ -9375,27 +9295,27 @@
           <a:p>
             <a:pPr algn="ctr"/>
             <a:r>
-              <a:rPr kumimoji="1" lang="ja-JP" altLang="en-US" sz="2000" dirty="0">
+              <a:rPr kumimoji="1" lang="ja-JP" altLang="en-US" sz="2400" dirty="0">
                 <a:latin typeface="HGS創英角ｺﾞｼｯｸUB" panose="020B0900000000000000" pitchFamily="50" charset="-128"/>
                 <a:ea typeface="HGS創英角ｺﾞｼｯｸUB" panose="020B0900000000000000" pitchFamily="50" charset="-128"/>
               </a:rPr>
               <a:t>ホスト</a:t>
             </a:r>
             <a:r>
-              <a:rPr kumimoji="1" lang="ja-JP" altLang="en-US" sz="2000" dirty="0" smtClean="0">
+              <a:rPr kumimoji="1" lang="ja-JP" altLang="en-US" sz="2400" dirty="0" smtClean="0">
                 <a:latin typeface="HGS創英角ｺﾞｼｯｸUB" panose="020B0900000000000000" pitchFamily="50" charset="-128"/>
                 <a:ea typeface="HGS創英角ｺﾞｼｯｸUB" panose="020B0900000000000000" pitchFamily="50" charset="-128"/>
               </a:rPr>
               <a:t>にな</a:t>
             </a:r>
             <a:r>
-              <a:rPr kumimoji="1" lang="ja-JP" altLang="en-US" sz="2000" dirty="0">
+              <a:rPr kumimoji="1" lang="ja-JP" altLang="en-US" sz="2400" dirty="0">
                 <a:latin typeface="HGS創英角ｺﾞｼｯｸUB" panose="020B0900000000000000" pitchFamily="50" charset="-128"/>
                 <a:ea typeface="HGS創英角ｺﾞｼｯｸUB" panose="020B0900000000000000" pitchFamily="50" charset="-128"/>
               </a:rPr>
               <a:t>る</a:t>
             </a:r>
-            <a:endParaRPr kumimoji="1" lang="en-US" altLang="ja-JP" sz="2000" dirty="0" smtClean="0">
+            <a:endParaRPr kumimoji="1" lang="en-US" altLang="ja-JP" sz="2400" dirty="0" smtClean="0">
               <a:latin typeface="HGS創英角ｺﾞｼｯｸUB" panose="020B0900000000000000" pitchFamily="50" charset="-128"/>
               <a:ea typeface="HGS創英角ｺﾞｼｯｸUB" panose="020B0900000000000000" pitchFamily="50" charset="-128"/>
             </a:endParaRPr>
@@ -9410,7 +9330,7 @@
         </p:nvSpPr>
         <p:spPr>
           <a:xfrm>
-            <a:off x="6641811" y="6034341"/>
+            <a:off x="6615888" y="5345575"/>
             <a:ext cx="3405415" cy="746735"/>
           </a:xfrm>
           <a:prstGeom prst="ellipse">
@@ -9442,20 +9362,20 @@
           <a:p>
             <a:pPr algn="ctr"/>
             <a:r>
-              <a:rPr kumimoji="1" lang="ja-JP" altLang="en-US" sz="2000" dirty="0" smtClean="0">
+              <a:rPr kumimoji="1" lang="ja-JP" altLang="en-US" sz="2400" dirty="0" smtClean="0">
                 <a:latin typeface="HGS創英角ｺﾞｼｯｸUB" panose="020B0900000000000000" pitchFamily="50" charset="-128"/>
                 <a:ea typeface="HGS創英角ｺﾞｼｯｸUB" panose="020B0900000000000000" pitchFamily="50" charset="-128"/>
               </a:rPr>
               <a:t>ゲストにな</a:t>
             </a:r>
             <a:r>
-              <a:rPr kumimoji="1" lang="ja-JP" altLang="en-US" sz="2000" dirty="0">
+              <a:rPr kumimoji="1" lang="ja-JP" altLang="en-US" sz="2400" dirty="0">
                 <a:latin typeface="HGS創英角ｺﾞｼｯｸUB" panose="020B0900000000000000" pitchFamily="50" charset="-128"/>
                 <a:ea typeface="HGS創英角ｺﾞｼｯｸUB" panose="020B0900000000000000" pitchFamily="50" charset="-128"/>
               </a:rPr>
               <a:t>る</a:t>
             </a:r>
-            <a:endParaRPr kumimoji="1" lang="en-US" altLang="ja-JP" sz="2000" dirty="0" smtClean="0">
+            <a:endParaRPr kumimoji="1" lang="en-US" altLang="ja-JP" sz="2400" dirty="0" smtClean="0">
               <a:latin typeface="HGS創英角ｺﾞｼｯｸUB" panose="020B0900000000000000" pitchFamily="50" charset="-128"/>
               <a:ea typeface="HGS創英角ｺﾞｼｯｸUB" panose="020B0900000000000000" pitchFamily="50" charset="-128"/>
             </a:endParaRPr>
@@ -9470,8 +9390,8 @@
         </p:nvCxnSpPr>
         <p:spPr>
           <a:xfrm flipH="1">
-            <a:off x="10047227" y="4687130"/>
-            <a:ext cx="1402882" cy="1648926"/>
+            <a:off x="10021303" y="4687130"/>
+            <a:ext cx="1428806" cy="817872"/>
           </a:xfrm>
           <a:prstGeom prst="straightConnector1">
             <a:avLst/>
@@ -9503,8 +9423,8 @@
         </p:nvCxnSpPr>
         <p:spPr>
           <a:xfrm flipV="1">
-            <a:off x="1925998" y="5652479"/>
-            <a:ext cx="1301815" cy="835979"/>
+            <a:off x="1925998" y="5839706"/>
+            <a:ext cx="1236477" cy="648753"/>
           </a:xfrm>
           <a:prstGeom prst="straightConnector1">
             <a:avLst/>
@@ -9540,7 +9460,7 @@
         <p:spPr>
           <a:xfrm>
             <a:off x="1673462" y="4487112"/>
-            <a:ext cx="1582910" cy="1904519"/>
+            <a:ext cx="1416927" cy="451194"/>
           </a:xfrm>
           <a:prstGeom prst="straightConnector1">
             <a:avLst/>
@@ -9572,8 +9492,8 @@
         </p:nvSpPr>
         <p:spPr>
           <a:xfrm>
-            <a:off x="3256373" y="6168143"/>
-            <a:ext cx="2704991" cy="768646"/>
+            <a:off x="3206031" y="5481825"/>
+            <a:ext cx="2685349" cy="768646"/>
           </a:xfrm>
           <a:prstGeom prst="ellipse">
             <a:avLst/>
@@ -9618,7 +9538,7 @@
         </p:nvSpPr>
         <p:spPr>
           <a:xfrm>
-            <a:off x="3607990" y="6319411"/>
+            <a:off x="3495464" y="5657701"/>
             <a:ext cx="2031325" cy="461665"/>
           </a:xfrm>
           <a:prstGeom prst="rect">
@@ -9653,9 +9573,9 @@
           <p:nvPr/>
         </p:nvCxnSpPr>
         <p:spPr>
-          <a:xfrm flipV="1">
-            <a:off x="1983032" y="6482671"/>
-            <a:ext cx="1240141" cy="89024"/>
+          <a:xfrm>
+            <a:off x="1983032" y="6571695"/>
+            <a:ext cx="1246102" cy="268310"/>
           </a:xfrm>
           <a:prstGeom prst="straightConnector1">
             <a:avLst/>
@@ -9690,8 +9610,8 @@
         </p:nvCxnSpPr>
         <p:spPr>
           <a:xfrm>
-            <a:off x="1802655" y="4674020"/>
-            <a:ext cx="1419135" cy="3597479"/>
+            <a:off x="1690591" y="4856704"/>
+            <a:ext cx="1632224" cy="2867120"/>
           </a:xfrm>
           <a:prstGeom prst="straightConnector1">
             <a:avLst/>
@@ -9723,7 +9643,7 @@
         </p:nvSpPr>
         <p:spPr>
           <a:xfrm>
-            <a:off x="6704229" y="7208910"/>
+            <a:off x="6688678" y="6699775"/>
             <a:ext cx="3405415" cy="746735"/>
           </a:xfrm>
           <a:prstGeom prst="ellipse">
@@ -9776,7 +9696,7 @@
         </p:nvSpPr>
         <p:spPr>
           <a:xfrm>
-            <a:off x="3177340" y="8046743"/>
+            <a:off x="3283614" y="7499455"/>
             <a:ext cx="2704992" cy="764200"/>
           </a:xfrm>
           <a:prstGeom prst="ellipse">
@@ -9822,7 +9742,7 @@
         </p:nvSpPr>
         <p:spPr>
           <a:xfrm>
-            <a:off x="3668061" y="8198010"/>
+            <a:off x="3705648" y="7694035"/>
             <a:ext cx="1723549" cy="461665"/>
           </a:xfrm>
           <a:prstGeom prst="rect">
@@ -9841,14 +9761,7 @@
                 <a:latin typeface="HGS創英角ｺﾞｼｯｸUB" panose="020B0900000000000000" pitchFamily="50" charset="-128"/>
                 <a:ea typeface="HGS創英角ｺﾞｼｯｸUB" panose="020B0900000000000000" pitchFamily="50" charset="-128"/>
               </a:rPr>
-              <a:t>退出</a:t>
-            </a:r>
-            <a:r>
-              <a:rPr kumimoji="1" lang="ja-JP" altLang="en-US" sz="2400" dirty="0" smtClean="0">
-                <a:latin typeface="HGS創英角ｺﾞｼｯｸUB" panose="020B0900000000000000" pitchFamily="50" charset="-128"/>
-                <a:ea typeface="HGS創英角ｺﾞｼｯｸUB" panose="020B0900000000000000" pitchFamily="50" charset="-128"/>
-              </a:rPr>
-              <a:t>さ</a:t>
+              <a:t>退出さ</a:t>
             </a:r>
             <a:r>
               <a:rPr kumimoji="1" lang="ja-JP" altLang="en-US" sz="2400" dirty="0">
@@ -9879,15 +9792,15 @@
         </p:nvCxnSpPr>
         <p:spPr>
           <a:xfrm>
-            <a:off x="1993125" y="6735822"/>
-            <a:ext cx="1304913" cy="585688"/>
+            <a:off x="1680806" y="4683905"/>
+            <a:ext cx="1665770" cy="2066933"/>
           </a:xfrm>
           <a:prstGeom prst="straightConnector1">
             <a:avLst/>
           </a:prstGeom>
           <a:ln w="57150">
             <a:solidFill>
-              <a:srgbClr val="92D050"/>
+              <a:schemeClr val="accent1"/>
             </a:solidFill>
             <a:tailEnd type="triangle"/>
           </a:ln>
@@ -9915,7 +9828,7 @@
         </p:nvSpPr>
         <p:spPr>
           <a:xfrm>
-            <a:off x="6688523" y="9008058"/>
+            <a:off x="6650484" y="8775622"/>
             <a:ext cx="3421121" cy="814260"/>
           </a:xfrm>
           <a:prstGeom prst="ellipse">
@@ -9956,13 +9869,15 @@
       <p:cxnSp>
         <p:nvCxnSpPr>
           <p:cNvPr id="64" name="直線矢印コネクタ 63"/>
-          <p:cNvCxnSpPr/>
+          <p:cNvCxnSpPr>
+            <a:stCxn id="107" idx="5"/>
+          </p:cNvCxnSpPr>
           <p:nvPr/>
         </p:nvCxnSpPr>
         <p:spPr>
-          <a:xfrm flipH="1">
-            <a:off x="9059344" y="8083114"/>
-            <a:ext cx="53415" cy="938894"/>
+          <a:xfrm>
+            <a:off x="5561596" y="7223448"/>
+            <a:ext cx="1667936" cy="1616468"/>
           </a:xfrm>
           <a:prstGeom prst="straightConnector1">
             <a:avLst/>
@@ -9997,7 +9912,7 @@
         </p:nvSpPr>
         <p:spPr>
           <a:xfrm>
-            <a:off x="7229532" y="9182752"/>
+            <a:off x="7237385" y="8951919"/>
             <a:ext cx="2339102" cy="461665"/>
           </a:xfrm>
           <a:prstGeom prst="rect">
@@ -10019,6 +9934,239 @@
               <a:t>リザルトシーン</a:t>
             </a:r>
             <a:endParaRPr kumimoji="1" lang="ja-JP" altLang="en-US" sz="2400" dirty="0">
+              <a:latin typeface="HGS創英角ｺﾞｼｯｸUB" panose="020B0900000000000000" pitchFamily="50" charset="-128"/>
+              <a:ea typeface="HGS創英角ｺﾞｼｯｸUB" panose="020B0900000000000000" pitchFamily="50" charset="-128"/>
+            </a:endParaRPr>
+          </a:p>
+        </p:txBody>
+      </p:sp>
+      <p:sp>
+        <p:nvSpPr>
+          <p:cNvPr id="77" name="楕円 76"/>
+          <p:cNvSpPr/>
+          <p:nvPr/>
+        </p:nvSpPr>
+        <p:spPr>
+          <a:xfrm>
+            <a:off x="3185512" y="2155427"/>
+            <a:ext cx="2663326" cy="717977"/>
+          </a:xfrm>
+          <a:prstGeom prst="ellipse">
+            <a:avLst/>
+          </a:prstGeom>
+        </p:spPr>
+        <p:style>
+          <a:lnRef idx="2">
+            <a:schemeClr val="dk1"/>
+          </a:lnRef>
+          <a:fillRef idx="1">
+            <a:schemeClr val="lt1"/>
+          </a:fillRef>
+          <a:effectRef idx="0">
+            <a:schemeClr val="dk1"/>
+          </a:effectRef>
+          <a:fontRef idx="minor">
+            <a:schemeClr val="dk1"/>
+          </a:fontRef>
+        </p:style>
+        <p:txBody>
+          <a:bodyPr rot="0" spcFirstLastPara="0" vertOverflow="overflow" horzOverflow="overflow" vert="horz" wrap="square" lIns="57921" tIns="28960" rIns="57921" bIns="28960" numCol="1" spcCol="0" rtlCol="0" fromWordArt="0" anchor="ctr" anchorCtr="0" forceAA="0" compatLnSpc="1">
+            <a:prstTxWarp prst="textNoShape">
+              <a:avLst/>
+            </a:prstTxWarp>
+            <a:noAutofit/>
+          </a:bodyPr>
+          <a:lstStyle/>
+          <a:p>
+            <a:pPr algn="ctr"/>
+            <a:endParaRPr kumimoji="1" lang="ja-JP" altLang="en-US" sz="2400" dirty="0">
+              <a:latin typeface="HGS創英角ｺﾞｼｯｸUB" panose="020B0900000000000000" pitchFamily="50" charset="-128"/>
+              <a:ea typeface="HGS創英角ｺﾞｼｯｸUB" panose="020B0900000000000000" pitchFamily="50" charset="-128"/>
+            </a:endParaRPr>
+          </a:p>
+        </p:txBody>
+      </p:sp>
+      <p:sp>
+        <p:nvSpPr>
+          <p:cNvPr id="79" name="テキスト ボックス 78"/>
+          <p:cNvSpPr txBox="1"/>
+          <p:nvPr/>
+        </p:nvSpPr>
+        <p:spPr>
+          <a:xfrm>
+            <a:off x="3346576" y="2295934"/>
+            <a:ext cx="2441694" cy="400110"/>
+          </a:xfrm>
+          <a:prstGeom prst="rect">
+            <a:avLst/>
+          </a:prstGeom>
+          <a:noFill/>
+        </p:spPr>
+        <p:txBody>
+          <a:bodyPr wrap="none" rtlCol="0" anchor="ctr">
+            <a:spAutoFit/>
+          </a:bodyPr>
+          <a:lstStyle/>
+          <a:p>
+            <a:pPr algn="ctr"/>
+            <a:r>
+              <a:rPr kumimoji="1" lang="ja-JP" altLang="en-US" sz="2000" dirty="0" smtClean="0">
+                <a:latin typeface="HGS創英角ｺﾞｼｯｸUB" panose="020B0900000000000000" pitchFamily="50" charset="-128"/>
+                <a:ea typeface="HGS創英角ｺﾞｼｯｸUB" panose="020B0900000000000000" pitchFamily="50" charset="-128"/>
+              </a:rPr>
+              <a:t>コース、</a:t>
+            </a:r>
+            <a:r>
+              <a:rPr kumimoji="1" lang="en-US" altLang="ja-JP" sz="2000" dirty="0" smtClean="0">
+                <a:latin typeface="HGS創英角ｺﾞｼｯｸUB" panose="020B0900000000000000" pitchFamily="50" charset="-128"/>
+                <a:ea typeface="HGS創英角ｺﾞｼｯｸUB" panose="020B0900000000000000" pitchFamily="50" charset="-128"/>
+              </a:rPr>
+              <a:t>CPU</a:t>
+            </a:r>
+            <a:r>
+              <a:rPr kumimoji="1" lang="ja-JP" altLang="en-US" sz="2000" dirty="0" smtClean="0">
+                <a:latin typeface="HGS創英角ｺﾞｼｯｸUB" panose="020B0900000000000000" pitchFamily="50" charset="-128"/>
+                <a:ea typeface="HGS創英角ｺﾞｼｯｸUB" panose="020B0900000000000000" pitchFamily="50" charset="-128"/>
+              </a:rPr>
+              <a:t>の選択</a:t>
+            </a:r>
+            <a:endParaRPr kumimoji="1" lang="ja-JP" altLang="en-US" sz="2000" dirty="0">
+              <a:latin typeface="HGS創英角ｺﾞｼｯｸUB" panose="020B0900000000000000" pitchFamily="50" charset="-128"/>
+              <a:ea typeface="HGS創英角ｺﾞｼｯｸUB" panose="020B0900000000000000" pitchFamily="50" charset="-128"/>
+            </a:endParaRPr>
+          </a:p>
+        </p:txBody>
+      </p:sp>
+      <p:cxnSp>
+        <p:nvCxnSpPr>
+          <p:cNvPr id="95" name="直線矢印コネクタ 94"/>
+          <p:cNvCxnSpPr/>
+          <p:nvPr/>
+        </p:nvCxnSpPr>
+        <p:spPr>
+          <a:xfrm>
+            <a:off x="1720152" y="4574819"/>
+            <a:ext cx="1448713" cy="1139485"/>
+          </a:xfrm>
+          <a:prstGeom prst="straightConnector1">
+            <a:avLst/>
+          </a:prstGeom>
+          <a:ln w="57150">
+            <a:tailEnd type="triangle"/>
+          </a:ln>
+        </p:spPr>
+        <p:style>
+          <a:lnRef idx="1">
+            <a:schemeClr val="accent1"/>
+          </a:lnRef>
+          <a:fillRef idx="0">
+            <a:schemeClr val="accent1"/>
+          </a:fillRef>
+          <a:effectRef idx="0">
+            <a:schemeClr val="accent1"/>
+          </a:effectRef>
+          <a:fontRef idx="minor">
+            <a:schemeClr val="tx1"/>
+          </a:fontRef>
+        </p:style>
+      </p:cxnSp>
+      <p:cxnSp>
+        <p:nvCxnSpPr>
+          <p:cNvPr id="99" name="直線矢印コネクタ 98"/>
+          <p:cNvCxnSpPr/>
+          <p:nvPr/>
+        </p:nvCxnSpPr>
+        <p:spPr>
+          <a:xfrm flipV="1">
+            <a:off x="1765658" y="4382125"/>
+            <a:ext cx="1365215" cy="1814853"/>
+          </a:xfrm>
+          <a:prstGeom prst="straightConnector1">
+            <a:avLst/>
+          </a:prstGeom>
+          <a:ln w="57150">
+            <a:solidFill>
+              <a:srgbClr val="92D050"/>
+            </a:solidFill>
+            <a:tailEnd type="triangle"/>
+          </a:ln>
+        </p:spPr>
+        <p:style>
+          <a:lnRef idx="1">
+            <a:schemeClr val="accent1"/>
+          </a:lnRef>
+          <a:fillRef idx="0">
+            <a:schemeClr val="accent1"/>
+          </a:fillRef>
+          <a:effectRef idx="0">
+            <a:schemeClr val="accent1"/>
+          </a:effectRef>
+          <a:fontRef idx="minor">
+            <a:schemeClr val="tx1"/>
+          </a:fontRef>
+        </p:style>
+      </p:cxnSp>
+      <p:sp>
+        <p:nvSpPr>
+          <p:cNvPr id="122" name="楕円 121"/>
+          <p:cNvSpPr/>
+          <p:nvPr/>
+        </p:nvSpPr>
+        <p:spPr>
+          <a:xfrm>
+            <a:off x="6505561" y="2815308"/>
+            <a:ext cx="3740634" cy="941951"/>
+          </a:xfrm>
+          <a:prstGeom prst="ellipse">
+            <a:avLst/>
+          </a:prstGeom>
+        </p:spPr>
+        <p:style>
+          <a:lnRef idx="2">
+            <a:schemeClr val="dk1"/>
+          </a:lnRef>
+          <a:fillRef idx="1">
+            <a:schemeClr val="lt1"/>
+          </a:fillRef>
+          <a:effectRef idx="0">
+            <a:schemeClr val="dk1"/>
+          </a:effectRef>
+          <a:fontRef idx="minor">
+            <a:schemeClr val="dk1"/>
+          </a:fontRef>
+        </p:style>
+        <p:txBody>
+          <a:bodyPr rot="0" spcFirstLastPara="0" vertOverflow="overflow" horzOverflow="overflow" vert="horz" wrap="square" lIns="57921" tIns="28960" rIns="57921" bIns="28960" numCol="1" spcCol="0" rtlCol="0" fromWordArt="0" anchor="ctr" anchorCtr="0" forceAA="0" compatLnSpc="1">
+            <a:prstTxWarp prst="textNoShape">
+              <a:avLst/>
+            </a:prstTxWarp>
+            <a:noAutofit/>
+          </a:bodyPr>
+          <a:lstStyle/>
+          <a:p>
+            <a:pPr algn="ctr"/>
+            <a:r>
+              <a:rPr kumimoji="1" lang="ja-JP" altLang="en-US" sz="2400" dirty="0" smtClean="0">
+                <a:latin typeface="HGS創英角ｺﾞｼｯｸUB" panose="020B0900000000000000" pitchFamily="50" charset="-128"/>
+                <a:ea typeface="HGS創英角ｺﾞｼｯｸUB" panose="020B0900000000000000" pitchFamily="50" charset="-128"/>
+              </a:rPr>
+              <a:t>オンラインモード</a:t>
+            </a:r>
+            <a:endParaRPr kumimoji="1" lang="en-US" altLang="ja-JP" sz="2400" dirty="0" smtClean="0">
+              <a:latin typeface="HGS創英角ｺﾞｼｯｸUB" panose="020B0900000000000000" pitchFamily="50" charset="-128"/>
+              <a:ea typeface="HGS創英角ｺﾞｼｯｸUB" panose="020B0900000000000000" pitchFamily="50" charset="-128"/>
+            </a:endParaRPr>
+          </a:p>
+          <a:p>
+            <a:pPr algn="ctr"/>
+            <a:r>
+              <a:rPr kumimoji="1" lang="ja-JP" altLang="en-US" sz="2400" dirty="0" smtClean="0">
+                <a:latin typeface="HGS創英角ｺﾞｼｯｸUB" panose="020B0900000000000000" pitchFamily="50" charset="-128"/>
+                <a:ea typeface="HGS創英角ｺﾞｼｯｸUB" panose="020B0900000000000000" pitchFamily="50" charset="-128"/>
+              </a:rPr>
+              <a:t>選択</a:t>
+            </a:r>
+            <a:endParaRPr kumimoji="1" lang="en-US" altLang="ja-JP" sz="2400" dirty="0" smtClean="0">
               <a:latin typeface="HGS創英角ｺﾞｼｯｸUB" panose="020B0900000000000000" pitchFamily="50" charset="-128"/>
               <a:ea typeface="HGS創英角ｺﾞｼｯｸUB" panose="020B0900000000000000" pitchFamily="50" charset="-128"/>
             </a:endParaRPr>
@@ -11928,13 +12076,15 @@
       <p:cxnSp>
         <p:nvCxnSpPr>
           <p:cNvPr id="95" name="直線矢印コネクタ 94"/>
-          <p:cNvCxnSpPr/>
+          <p:cNvCxnSpPr>
+            <a:stCxn id="107" idx="5"/>
+          </p:cNvCxnSpPr>
           <p:nvPr/>
         </p:nvCxnSpPr>
         <p:spPr>
-          <a:xfrm flipH="1">
-            <a:off x="9043792" y="8083114"/>
-            <a:ext cx="68968" cy="793494"/>
+          <a:xfrm>
+            <a:off x="5570611" y="7824985"/>
+            <a:ext cx="1945005" cy="1069899"/>
           </a:xfrm>
           <a:prstGeom prst="straightConnector1">
             <a:avLst/>
